--- a/Figures/figure_S_spliceai_DT_plot/figure_S_spliceai_DT_plot.pptx
+++ b/Figures/figure_S_spliceai_DT_plot/figure_S_spliceai_DT_plot.pptx
@@ -2,7 +2,7 @@
 <file path=ppt/presentation.xml><?xml version="1.0" encoding="utf-8"?>
 <p:presentation xmlns:a="http://schemas.openxmlformats.org/drawingml/2006/main" xmlns:r="http://schemas.openxmlformats.org/officeDocument/2006/relationships" xmlns:p="http://schemas.openxmlformats.org/presentationml/2006/main" saveSubsetFonts="1" autoCompressPictures="0">
   <p:sldMasterIdLst>
-    <p:sldMasterId id="2147483684" r:id="rId1"/>
+    <p:sldMasterId id="2147483756" r:id="rId1"/>
   </p:sldMasterIdLst>
   <p:notesMasterIdLst>
     <p:notesMasterId r:id="rId3"/>
@@ -10,7 +10,7 @@
   <p:sldIdLst>
     <p:sldId id="256" r:id="rId2"/>
   </p:sldIdLst>
-  <p:sldSz cx="50399950" cy="35999738"/>
+  <p:sldSz cx="32040513" cy="28440063"/>
   <p:notesSz cx="6858000" cy="9144000"/>
   <p:defaultTextStyle>
     <a:defPPr>
@@ -197,7 +197,7 @@
           <a:p>
             <a:fld id="{ABD72DE5-B6EE-E147-A976-7400C289695F}" type="datetimeFigureOut">
               <a:rPr lang="en-US" smtClean="0"/>
-              <a:t>5/22/23</a:t>
+              <a:t>7/18/23</a:t>
             </a:fld>
             <a:endParaRPr lang="en-US"/>
           </a:p>
@@ -215,8 +215,8 @@
         </p:nvSpPr>
         <p:spPr>
           <a:xfrm>
-            <a:off x="1270000" y="1143000"/>
-            <a:ext cx="4318000" cy="3086100"/>
+            <a:off x="1690688" y="1143000"/>
+            <a:ext cx="3476625" cy="3086100"/>
           </a:xfrm>
           <a:prstGeom prst="rect">
             <a:avLst/>
@@ -493,8 +493,8 @@
         </p:nvSpPr>
         <p:spPr>
           <a:xfrm>
-            <a:off x="1270000" y="1143000"/>
-            <a:ext cx="4318000" cy="3086100"/>
+            <a:off x="1690688" y="1143000"/>
+            <a:ext cx="3476625" cy="3086100"/>
           </a:xfrm>
         </p:spPr>
       </p:sp>
@@ -582,15 +582,15 @@
         </p:nvSpPr>
         <p:spPr>
           <a:xfrm>
-            <a:off x="3779996" y="5891626"/>
-            <a:ext cx="42839958" cy="12533242"/>
+            <a:off x="2403039" y="4654429"/>
+            <a:ext cx="27234436" cy="9901355"/>
           </a:xfrm>
         </p:spPr>
         <p:txBody>
           <a:bodyPr anchor="b"/>
           <a:lstStyle>
             <a:lvl1pPr algn="ctr">
-              <a:defRPr sz="31496"/>
+              <a:defRPr sz="21024"/>
             </a:lvl1pPr>
           </a:lstStyle>
           <a:p>
@@ -614,8 +614,8 @@
         </p:nvSpPr>
         <p:spPr>
           <a:xfrm>
-            <a:off x="6299994" y="18908198"/>
-            <a:ext cx="37799963" cy="8691601"/>
+            <a:off x="4005064" y="14937618"/>
+            <a:ext cx="24030385" cy="6866430"/>
           </a:xfrm>
         </p:spPr>
         <p:txBody>
@@ -623,39 +623,39 @@
           <a:lstStyle>
             <a:lvl1pPr marL="0" indent="0" algn="ctr">
               <a:buNone/>
-              <a:defRPr sz="12598"/>
+              <a:defRPr sz="8410"/>
             </a:lvl1pPr>
-            <a:lvl2pPr marL="2399980" indent="0" algn="ctr">
-              <a:buNone/>
-              <a:defRPr sz="10499"/>
+            <a:lvl2pPr marL="1602029" indent="0" algn="ctr">
+              <a:buNone/>
+              <a:defRPr sz="7008"/>
             </a:lvl2pPr>
-            <a:lvl3pPr marL="4799960" indent="0" algn="ctr">
-              <a:buNone/>
-              <a:defRPr sz="9449"/>
+            <a:lvl3pPr marL="3204058" indent="0" algn="ctr">
+              <a:buNone/>
+              <a:defRPr sz="6307"/>
             </a:lvl3pPr>
-            <a:lvl4pPr marL="7199940" indent="0" algn="ctr">
-              <a:buNone/>
-              <a:defRPr sz="8399"/>
+            <a:lvl4pPr marL="4806086" indent="0" algn="ctr">
+              <a:buNone/>
+              <a:defRPr sz="5606"/>
             </a:lvl4pPr>
-            <a:lvl5pPr marL="9599920" indent="0" algn="ctr">
-              <a:buNone/>
-              <a:defRPr sz="8399"/>
+            <a:lvl5pPr marL="6408115" indent="0" algn="ctr">
+              <a:buNone/>
+              <a:defRPr sz="5606"/>
             </a:lvl5pPr>
-            <a:lvl6pPr marL="11999900" indent="0" algn="ctr">
-              <a:buNone/>
-              <a:defRPr sz="8399"/>
+            <a:lvl6pPr marL="8010144" indent="0" algn="ctr">
+              <a:buNone/>
+              <a:defRPr sz="5606"/>
             </a:lvl6pPr>
-            <a:lvl7pPr marL="14399880" indent="0" algn="ctr">
-              <a:buNone/>
-              <a:defRPr sz="8399"/>
+            <a:lvl7pPr marL="9612173" indent="0" algn="ctr">
+              <a:buNone/>
+              <a:defRPr sz="5606"/>
             </a:lvl7pPr>
-            <a:lvl8pPr marL="16799860" indent="0" algn="ctr">
-              <a:buNone/>
-              <a:defRPr sz="8399"/>
+            <a:lvl8pPr marL="11214202" indent="0" algn="ctr">
+              <a:buNone/>
+              <a:defRPr sz="5606"/>
             </a:lvl8pPr>
-            <a:lvl9pPr marL="19199840" indent="0" algn="ctr">
-              <a:buNone/>
-              <a:defRPr sz="8399"/>
+            <a:lvl9pPr marL="12816230" indent="0" algn="ctr">
+              <a:buNone/>
+              <a:defRPr sz="5606"/>
             </a:lvl9pPr>
           </a:lstStyle>
           <a:p>
@@ -684,7 +684,7 @@
           <a:p>
             <a:fld id="{5829EFD3-DAAF-1A4D-98F0-A61E9156FD54}" type="datetimeFigureOut">
               <a:rPr lang="en-US" smtClean="0"/>
-              <a:t>5/22/23</a:t>
+              <a:t>7/18/23</a:t>
             </a:fld>
             <a:endParaRPr lang="en-US"/>
           </a:p>
@@ -735,7 +735,7 @@
     </p:spTree>
     <p:extLst>
       <p:ext uri="{BB962C8B-B14F-4D97-AF65-F5344CB8AC3E}">
-        <p14:creationId xmlns:p14="http://schemas.microsoft.com/office/powerpoint/2010/main" val="3514228061"/>
+        <p14:creationId xmlns:p14="http://schemas.microsoft.com/office/powerpoint/2010/main" val="1769995223"/>
       </p:ext>
     </p:extLst>
   </p:cSld>
@@ -854,7 +854,7 @@
           <a:p>
             <a:fld id="{5829EFD3-DAAF-1A4D-98F0-A61E9156FD54}" type="datetimeFigureOut">
               <a:rPr lang="en-US" smtClean="0"/>
-              <a:t>5/22/23</a:t>
+              <a:t>7/18/23</a:t>
             </a:fld>
             <a:endParaRPr lang="en-US"/>
           </a:p>
@@ -905,7 +905,7 @@
     </p:spTree>
     <p:extLst>
       <p:ext uri="{BB962C8B-B14F-4D97-AF65-F5344CB8AC3E}">
-        <p14:creationId xmlns:p14="http://schemas.microsoft.com/office/powerpoint/2010/main" val="3442652749"/>
+        <p14:creationId xmlns:p14="http://schemas.microsoft.com/office/powerpoint/2010/main" val="3652410799"/>
       </p:ext>
     </p:extLst>
   </p:cSld>
@@ -944,8 +944,8 @@
         </p:nvSpPr>
         <p:spPr>
           <a:xfrm>
-            <a:off x="36067467" y="1916653"/>
-            <a:ext cx="10867489" cy="30508114"/>
+            <a:off x="22928994" y="1514170"/>
+            <a:ext cx="6908736" cy="24101639"/>
           </a:xfrm>
         </p:spPr>
         <p:txBody>
@@ -972,8 +972,8 @@
         </p:nvSpPr>
         <p:spPr>
           <a:xfrm>
-            <a:off x="3464999" y="1916653"/>
-            <a:ext cx="31972468" cy="30508114"/>
+            <a:off x="2202787" y="1514170"/>
+            <a:ext cx="20325700" cy="24101639"/>
           </a:xfrm>
         </p:spPr>
         <p:txBody>
@@ -1034,7 +1034,7 @@
           <a:p>
             <a:fld id="{5829EFD3-DAAF-1A4D-98F0-A61E9156FD54}" type="datetimeFigureOut">
               <a:rPr lang="en-US" smtClean="0"/>
-              <a:t>5/22/23</a:t>
+              <a:t>7/18/23</a:t>
             </a:fld>
             <a:endParaRPr lang="en-US"/>
           </a:p>
@@ -1085,7 +1085,7 @@
     </p:spTree>
     <p:extLst>
       <p:ext uri="{BB962C8B-B14F-4D97-AF65-F5344CB8AC3E}">
-        <p14:creationId xmlns:p14="http://schemas.microsoft.com/office/powerpoint/2010/main" val="863254101"/>
+        <p14:creationId xmlns:p14="http://schemas.microsoft.com/office/powerpoint/2010/main" val="441127289"/>
       </p:ext>
     </p:extLst>
   </p:cSld>
@@ -1204,7 +1204,7 @@
           <a:p>
             <a:fld id="{5829EFD3-DAAF-1A4D-98F0-A61E9156FD54}" type="datetimeFigureOut">
               <a:rPr lang="en-US" smtClean="0"/>
-              <a:t>5/22/23</a:t>
+              <a:t>7/18/23</a:t>
             </a:fld>
             <a:endParaRPr lang="en-US"/>
           </a:p>
@@ -1255,7 +1255,7 @@
     </p:spTree>
     <p:extLst>
       <p:ext uri="{BB962C8B-B14F-4D97-AF65-F5344CB8AC3E}">
-        <p14:creationId xmlns:p14="http://schemas.microsoft.com/office/powerpoint/2010/main" val="2021473083"/>
+        <p14:creationId xmlns:p14="http://schemas.microsoft.com/office/powerpoint/2010/main" val="1354969491"/>
       </p:ext>
     </p:extLst>
   </p:cSld>
@@ -1294,15 +1294,15 @@
         </p:nvSpPr>
         <p:spPr>
           <a:xfrm>
-            <a:off x="3438749" y="8974945"/>
-            <a:ext cx="43469957" cy="14974888"/>
+            <a:off x="2186099" y="7090274"/>
+            <a:ext cx="27634942" cy="11830274"/>
           </a:xfrm>
         </p:spPr>
         <p:txBody>
           <a:bodyPr anchor="b"/>
           <a:lstStyle>
             <a:lvl1pPr>
-              <a:defRPr sz="31496"/>
+              <a:defRPr sz="21024"/>
             </a:lvl1pPr>
           </a:lstStyle>
           <a:p>
@@ -1326,8 +1326,8 @@
         </p:nvSpPr>
         <p:spPr>
           <a:xfrm>
-            <a:off x="3438749" y="24091502"/>
-            <a:ext cx="43469957" cy="7874940"/>
+            <a:off x="2186099" y="19032467"/>
+            <a:ext cx="27634942" cy="6221262"/>
           </a:xfrm>
         </p:spPr>
         <p:txBody>
@@ -1335,15 +1335,15 @@
           <a:lstStyle>
             <a:lvl1pPr marL="0" indent="0">
               <a:buNone/>
-              <a:defRPr sz="12598">
+              <a:defRPr sz="8410">
                 <a:solidFill>
                   <a:schemeClr val="tx1"/>
                 </a:solidFill>
               </a:defRPr>
             </a:lvl1pPr>
-            <a:lvl2pPr marL="2399980" indent="0">
-              <a:buNone/>
-              <a:defRPr sz="10499">
+            <a:lvl2pPr marL="1602029" indent="0">
+              <a:buNone/>
+              <a:defRPr sz="7008">
                 <a:solidFill>
                   <a:schemeClr val="tx1">
                     <a:tint val="75000"/>
@@ -1351,9 +1351,9 @@
                 </a:solidFill>
               </a:defRPr>
             </a:lvl2pPr>
-            <a:lvl3pPr marL="4799960" indent="0">
-              <a:buNone/>
-              <a:defRPr sz="9449">
+            <a:lvl3pPr marL="3204058" indent="0">
+              <a:buNone/>
+              <a:defRPr sz="6307">
                 <a:solidFill>
                   <a:schemeClr val="tx1">
                     <a:tint val="75000"/>
@@ -1361,9 +1361,9 @@
                 </a:solidFill>
               </a:defRPr>
             </a:lvl3pPr>
-            <a:lvl4pPr marL="7199940" indent="0">
-              <a:buNone/>
-              <a:defRPr sz="8399">
+            <a:lvl4pPr marL="4806086" indent="0">
+              <a:buNone/>
+              <a:defRPr sz="5606">
                 <a:solidFill>
                   <a:schemeClr val="tx1">
                     <a:tint val="75000"/>
@@ -1371,9 +1371,9 @@
                 </a:solidFill>
               </a:defRPr>
             </a:lvl4pPr>
-            <a:lvl5pPr marL="9599920" indent="0">
-              <a:buNone/>
-              <a:defRPr sz="8399">
+            <a:lvl5pPr marL="6408115" indent="0">
+              <a:buNone/>
+              <a:defRPr sz="5606">
                 <a:solidFill>
                   <a:schemeClr val="tx1">
                     <a:tint val="75000"/>
@@ -1381,9 +1381,9 @@
                 </a:solidFill>
               </a:defRPr>
             </a:lvl5pPr>
-            <a:lvl6pPr marL="11999900" indent="0">
-              <a:buNone/>
-              <a:defRPr sz="8399">
+            <a:lvl6pPr marL="8010144" indent="0">
+              <a:buNone/>
+              <a:defRPr sz="5606">
                 <a:solidFill>
                   <a:schemeClr val="tx1">
                     <a:tint val="75000"/>
@@ -1391,9 +1391,9 @@
                 </a:solidFill>
               </a:defRPr>
             </a:lvl6pPr>
-            <a:lvl7pPr marL="14399880" indent="0">
-              <a:buNone/>
-              <a:defRPr sz="8399">
+            <a:lvl7pPr marL="9612173" indent="0">
+              <a:buNone/>
+              <a:defRPr sz="5606">
                 <a:solidFill>
                   <a:schemeClr val="tx1">
                     <a:tint val="75000"/>
@@ -1401,9 +1401,9 @@
                 </a:solidFill>
               </a:defRPr>
             </a:lvl7pPr>
-            <a:lvl8pPr marL="16799860" indent="0">
-              <a:buNone/>
-              <a:defRPr sz="8399">
+            <a:lvl8pPr marL="11214202" indent="0">
+              <a:buNone/>
+              <a:defRPr sz="5606">
                 <a:solidFill>
                   <a:schemeClr val="tx1">
                     <a:tint val="75000"/>
@@ -1411,9 +1411,9 @@
                 </a:solidFill>
               </a:defRPr>
             </a:lvl8pPr>
-            <a:lvl9pPr marL="19199840" indent="0">
-              <a:buNone/>
-              <a:defRPr sz="8399">
+            <a:lvl9pPr marL="12816230" indent="0">
+              <a:buNone/>
+              <a:defRPr sz="5606">
                 <a:solidFill>
                   <a:schemeClr val="tx1">
                     <a:tint val="75000"/>
@@ -1448,7 +1448,7 @@
           <a:p>
             <a:fld id="{5829EFD3-DAAF-1A4D-98F0-A61E9156FD54}" type="datetimeFigureOut">
               <a:rPr lang="en-US" smtClean="0"/>
-              <a:t>5/22/23</a:t>
+              <a:t>7/18/23</a:t>
             </a:fld>
             <a:endParaRPr lang="en-US"/>
           </a:p>
@@ -1499,7 +1499,7 @@
     </p:spTree>
     <p:extLst>
       <p:ext uri="{BB962C8B-B14F-4D97-AF65-F5344CB8AC3E}">
-        <p14:creationId xmlns:p14="http://schemas.microsoft.com/office/powerpoint/2010/main" val="4165514181"/>
+        <p14:creationId xmlns:p14="http://schemas.microsoft.com/office/powerpoint/2010/main" val="3555167390"/>
       </p:ext>
     </p:extLst>
   </p:cSld>
@@ -1561,8 +1561,8 @@
         </p:nvSpPr>
         <p:spPr>
           <a:xfrm>
-            <a:off x="3464996" y="9583264"/>
-            <a:ext cx="21419979" cy="22841503"/>
+            <a:off x="2202785" y="7570850"/>
+            <a:ext cx="13617218" cy="18044959"/>
           </a:xfrm>
         </p:spPr>
         <p:txBody>
@@ -1618,8 +1618,8 @@
         </p:nvSpPr>
         <p:spPr>
           <a:xfrm>
-            <a:off x="25514975" y="9583264"/>
-            <a:ext cx="21419979" cy="22841503"/>
+            <a:off x="16220510" y="7570850"/>
+            <a:ext cx="13617218" cy="18044959"/>
           </a:xfrm>
         </p:spPr>
         <p:txBody>
@@ -1680,7 +1680,7 @@
           <a:p>
             <a:fld id="{5829EFD3-DAAF-1A4D-98F0-A61E9156FD54}" type="datetimeFigureOut">
               <a:rPr lang="en-US" smtClean="0"/>
-              <a:t>5/22/23</a:t>
+              <a:t>7/18/23</a:t>
             </a:fld>
             <a:endParaRPr lang="en-US"/>
           </a:p>
@@ -1731,7 +1731,7 @@
     </p:spTree>
     <p:extLst>
       <p:ext uri="{BB962C8B-B14F-4D97-AF65-F5344CB8AC3E}">
-        <p14:creationId xmlns:p14="http://schemas.microsoft.com/office/powerpoint/2010/main" val="2166510633"/>
+        <p14:creationId xmlns:p14="http://schemas.microsoft.com/office/powerpoint/2010/main" val="1991446924"/>
       </p:ext>
     </p:extLst>
   </p:cSld>
@@ -1770,8 +1770,8 @@
         </p:nvSpPr>
         <p:spPr>
           <a:xfrm>
-            <a:off x="3471561" y="1916661"/>
-            <a:ext cx="43469957" cy="6958285"/>
+            <a:off x="2206959" y="1514176"/>
+            <a:ext cx="27634942" cy="5497098"/>
           </a:xfrm>
         </p:spPr>
         <p:txBody>
@@ -1798,8 +1798,8 @@
         </p:nvSpPr>
         <p:spPr>
           <a:xfrm>
-            <a:off x="3471567" y="8824938"/>
-            <a:ext cx="21321538" cy="4324966"/>
+            <a:off x="2206962" y="6971768"/>
+            <a:ext cx="13554637" cy="3416755"/>
           </a:xfrm>
         </p:spPr>
         <p:txBody>
@@ -1807,39 +1807,39 @@
           <a:lstStyle>
             <a:lvl1pPr marL="0" indent="0">
               <a:buNone/>
-              <a:defRPr sz="12598" b="1"/>
+              <a:defRPr sz="8410" b="1"/>
             </a:lvl1pPr>
-            <a:lvl2pPr marL="2399980" indent="0">
-              <a:buNone/>
-              <a:defRPr sz="10499" b="1"/>
+            <a:lvl2pPr marL="1602029" indent="0">
+              <a:buNone/>
+              <a:defRPr sz="7008" b="1"/>
             </a:lvl2pPr>
-            <a:lvl3pPr marL="4799960" indent="0">
-              <a:buNone/>
-              <a:defRPr sz="9449" b="1"/>
+            <a:lvl3pPr marL="3204058" indent="0">
+              <a:buNone/>
+              <a:defRPr sz="6307" b="1"/>
             </a:lvl3pPr>
-            <a:lvl4pPr marL="7199940" indent="0">
-              <a:buNone/>
-              <a:defRPr sz="8399" b="1"/>
+            <a:lvl4pPr marL="4806086" indent="0">
+              <a:buNone/>
+              <a:defRPr sz="5606" b="1"/>
             </a:lvl4pPr>
-            <a:lvl5pPr marL="9599920" indent="0">
-              <a:buNone/>
-              <a:defRPr sz="8399" b="1"/>
+            <a:lvl5pPr marL="6408115" indent="0">
+              <a:buNone/>
+              <a:defRPr sz="5606" b="1"/>
             </a:lvl5pPr>
-            <a:lvl6pPr marL="11999900" indent="0">
-              <a:buNone/>
-              <a:defRPr sz="8399" b="1"/>
+            <a:lvl6pPr marL="8010144" indent="0">
+              <a:buNone/>
+              <a:defRPr sz="5606" b="1"/>
             </a:lvl6pPr>
-            <a:lvl7pPr marL="14399880" indent="0">
-              <a:buNone/>
-              <a:defRPr sz="8399" b="1"/>
+            <a:lvl7pPr marL="9612173" indent="0">
+              <a:buNone/>
+              <a:defRPr sz="5606" b="1"/>
             </a:lvl7pPr>
-            <a:lvl8pPr marL="16799860" indent="0">
-              <a:buNone/>
-              <a:defRPr sz="8399" b="1"/>
+            <a:lvl8pPr marL="11214202" indent="0">
+              <a:buNone/>
+              <a:defRPr sz="5606" b="1"/>
             </a:lvl8pPr>
-            <a:lvl9pPr marL="19199840" indent="0">
-              <a:buNone/>
-              <a:defRPr sz="8399" b="1"/>
+            <a:lvl9pPr marL="12816230" indent="0">
+              <a:buNone/>
+              <a:defRPr sz="5606" b="1"/>
             </a:lvl9pPr>
           </a:lstStyle>
           <a:p>
@@ -1863,8 +1863,8 @@
         </p:nvSpPr>
         <p:spPr>
           <a:xfrm>
-            <a:off x="3471567" y="13149904"/>
-            <a:ext cx="21321538" cy="19341529"/>
+            <a:off x="2206962" y="10388523"/>
+            <a:ext cx="13554637" cy="15279953"/>
           </a:xfrm>
         </p:spPr>
         <p:txBody>
@@ -1920,8 +1920,8 @@
         </p:nvSpPr>
         <p:spPr>
           <a:xfrm>
-            <a:off x="25514978" y="8824938"/>
-            <a:ext cx="21426543" cy="4324966"/>
+            <a:off x="16220512" y="6971768"/>
+            <a:ext cx="13621391" cy="3416755"/>
           </a:xfrm>
         </p:spPr>
         <p:txBody>
@@ -1929,39 +1929,39 @@
           <a:lstStyle>
             <a:lvl1pPr marL="0" indent="0">
               <a:buNone/>
-              <a:defRPr sz="12598" b="1"/>
+              <a:defRPr sz="8410" b="1"/>
             </a:lvl1pPr>
-            <a:lvl2pPr marL="2399980" indent="0">
-              <a:buNone/>
-              <a:defRPr sz="10499" b="1"/>
+            <a:lvl2pPr marL="1602029" indent="0">
+              <a:buNone/>
+              <a:defRPr sz="7008" b="1"/>
             </a:lvl2pPr>
-            <a:lvl3pPr marL="4799960" indent="0">
-              <a:buNone/>
-              <a:defRPr sz="9449" b="1"/>
+            <a:lvl3pPr marL="3204058" indent="0">
+              <a:buNone/>
+              <a:defRPr sz="6307" b="1"/>
             </a:lvl3pPr>
-            <a:lvl4pPr marL="7199940" indent="0">
-              <a:buNone/>
-              <a:defRPr sz="8399" b="1"/>
+            <a:lvl4pPr marL="4806086" indent="0">
+              <a:buNone/>
+              <a:defRPr sz="5606" b="1"/>
             </a:lvl4pPr>
-            <a:lvl5pPr marL="9599920" indent="0">
-              <a:buNone/>
-              <a:defRPr sz="8399" b="1"/>
+            <a:lvl5pPr marL="6408115" indent="0">
+              <a:buNone/>
+              <a:defRPr sz="5606" b="1"/>
             </a:lvl5pPr>
-            <a:lvl6pPr marL="11999900" indent="0">
-              <a:buNone/>
-              <a:defRPr sz="8399" b="1"/>
+            <a:lvl6pPr marL="8010144" indent="0">
+              <a:buNone/>
+              <a:defRPr sz="5606" b="1"/>
             </a:lvl6pPr>
-            <a:lvl7pPr marL="14399880" indent="0">
-              <a:buNone/>
-              <a:defRPr sz="8399" b="1"/>
+            <a:lvl7pPr marL="9612173" indent="0">
+              <a:buNone/>
+              <a:defRPr sz="5606" b="1"/>
             </a:lvl7pPr>
-            <a:lvl8pPr marL="16799860" indent="0">
-              <a:buNone/>
-              <a:defRPr sz="8399" b="1"/>
+            <a:lvl8pPr marL="11214202" indent="0">
+              <a:buNone/>
+              <a:defRPr sz="5606" b="1"/>
             </a:lvl8pPr>
-            <a:lvl9pPr marL="19199840" indent="0">
-              <a:buNone/>
-              <a:defRPr sz="8399" b="1"/>
+            <a:lvl9pPr marL="12816230" indent="0">
+              <a:buNone/>
+              <a:defRPr sz="5606" b="1"/>
             </a:lvl9pPr>
           </a:lstStyle>
           <a:p>
@@ -1985,8 +1985,8 @@
         </p:nvSpPr>
         <p:spPr>
           <a:xfrm>
-            <a:off x="25514978" y="13149904"/>
-            <a:ext cx="21426543" cy="19341529"/>
+            <a:off x="16220512" y="10388523"/>
+            <a:ext cx="13621391" cy="15279953"/>
           </a:xfrm>
         </p:spPr>
         <p:txBody>
@@ -2047,7 +2047,7 @@
           <a:p>
             <a:fld id="{5829EFD3-DAAF-1A4D-98F0-A61E9156FD54}" type="datetimeFigureOut">
               <a:rPr lang="en-US" smtClean="0"/>
-              <a:t>5/22/23</a:t>
+              <a:t>7/18/23</a:t>
             </a:fld>
             <a:endParaRPr lang="en-US"/>
           </a:p>
@@ -2098,7 +2098,7 @@
     </p:spTree>
     <p:extLst>
       <p:ext uri="{BB962C8B-B14F-4D97-AF65-F5344CB8AC3E}">
-        <p14:creationId xmlns:p14="http://schemas.microsoft.com/office/powerpoint/2010/main" val="1126304702"/>
+        <p14:creationId xmlns:p14="http://schemas.microsoft.com/office/powerpoint/2010/main" val="127186407"/>
       </p:ext>
     </p:extLst>
   </p:cSld>
@@ -2165,7 +2165,7 @@
           <a:p>
             <a:fld id="{5829EFD3-DAAF-1A4D-98F0-A61E9156FD54}" type="datetimeFigureOut">
               <a:rPr lang="en-US" smtClean="0"/>
-              <a:t>5/22/23</a:t>
+              <a:t>7/18/23</a:t>
             </a:fld>
             <a:endParaRPr lang="en-US"/>
           </a:p>
@@ -2216,7 +2216,7 @@
     </p:spTree>
     <p:extLst>
       <p:ext uri="{BB962C8B-B14F-4D97-AF65-F5344CB8AC3E}">
-        <p14:creationId xmlns:p14="http://schemas.microsoft.com/office/powerpoint/2010/main" val="3704019797"/>
+        <p14:creationId xmlns:p14="http://schemas.microsoft.com/office/powerpoint/2010/main" val="3477522758"/>
       </p:ext>
     </p:extLst>
   </p:cSld>
@@ -2260,7 +2260,7 @@
           <a:p>
             <a:fld id="{5829EFD3-DAAF-1A4D-98F0-A61E9156FD54}" type="datetimeFigureOut">
               <a:rPr lang="en-US" smtClean="0"/>
-              <a:t>5/22/23</a:t>
+              <a:t>7/18/23</a:t>
             </a:fld>
             <a:endParaRPr lang="en-US"/>
           </a:p>
@@ -2311,7 +2311,7 @@
     </p:spTree>
     <p:extLst>
       <p:ext uri="{BB962C8B-B14F-4D97-AF65-F5344CB8AC3E}">
-        <p14:creationId xmlns:p14="http://schemas.microsoft.com/office/powerpoint/2010/main" val="1319597417"/>
+        <p14:creationId xmlns:p14="http://schemas.microsoft.com/office/powerpoint/2010/main" val="1760253155"/>
       </p:ext>
     </p:extLst>
   </p:cSld>
@@ -2350,15 +2350,15 @@
         </p:nvSpPr>
         <p:spPr>
           <a:xfrm>
-            <a:off x="3471561" y="2399982"/>
-            <a:ext cx="16255296" cy="8399939"/>
+            <a:off x="2206959" y="1896004"/>
+            <a:ext cx="10333899" cy="6636015"/>
           </a:xfrm>
         </p:spPr>
         <p:txBody>
           <a:bodyPr anchor="b"/>
           <a:lstStyle>
             <a:lvl1pPr>
-              <a:defRPr sz="16798"/>
+              <a:defRPr sz="11213"/>
             </a:lvl1pPr>
           </a:lstStyle>
           <a:p>
@@ -2382,39 +2382,39 @@
         </p:nvSpPr>
         <p:spPr>
           <a:xfrm>
-            <a:off x="21426543" y="5183304"/>
-            <a:ext cx="25514975" cy="25583147"/>
+            <a:off x="13621391" y="4094849"/>
+            <a:ext cx="16220510" cy="20210878"/>
           </a:xfrm>
         </p:spPr>
         <p:txBody>
           <a:bodyPr/>
           <a:lstStyle>
             <a:lvl1pPr>
-              <a:defRPr sz="16798"/>
+              <a:defRPr sz="11213"/>
             </a:lvl1pPr>
             <a:lvl2pPr>
-              <a:defRPr sz="14698"/>
+              <a:defRPr sz="9811"/>
             </a:lvl2pPr>
             <a:lvl3pPr>
-              <a:defRPr sz="12598"/>
+              <a:defRPr sz="8410"/>
             </a:lvl3pPr>
             <a:lvl4pPr>
-              <a:defRPr sz="10499"/>
+              <a:defRPr sz="7008"/>
             </a:lvl4pPr>
             <a:lvl5pPr>
-              <a:defRPr sz="10499"/>
+              <a:defRPr sz="7008"/>
             </a:lvl5pPr>
             <a:lvl6pPr>
-              <a:defRPr sz="10499"/>
+              <a:defRPr sz="7008"/>
             </a:lvl6pPr>
             <a:lvl7pPr>
-              <a:defRPr sz="10499"/>
+              <a:defRPr sz="7008"/>
             </a:lvl7pPr>
             <a:lvl8pPr>
-              <a:defRPr sz="10499"/>
+              <a:defRPr sz="7008"/>
             </a:lvl8pPr>
             <a:lvl9pPr>
-              <a:defRPr sz="10499"/>
+              <a:defRPr sz="7008"/>
             </a:lvl9pPr>
           </a:lstStyle>
           <a:p>
@@ -2467,8 +2467,8 @@
         </p:nvSpPr>
         <p:spPr>
           <a:xfrm>
-            <a:off x="3471561" y="10799922"/>
-            <a:ext cx="16255296" cy="20008190"/>
+            <a:off x="2206959" y="8532019"/>
+            <a:ext cx="10333899" cy="15806620"/>
           </a:xfrm>
         </p:spPr>
         <p:txBody>
@@ -2476,39 +2476,39 @@
           <a:lstStyle>
             <a:lvl1pPr marL="0" indent="0">
               <a:buNone/>
-              <a:defRPr sz="8399"/>
+              <a:defRPr sz="5606"/>
             </a:lvl1pPr>
-            <a:lvl2pPr marL="2399980" indent="0">
-              <a:buNone/>
-              <a:defRPr sz="7349"/>
+            <a:lvl2pPr marL="1602029" indent="0">
+              <a:buNone/>
+              <a:defRPr sz="4906"/>
             </a:lvl2pPr>
-            <a:lvl3pPr marL="4799960" indent="0">
-              <a:buNone/>
-              <a:defRPr sz="6299"/>
+            <a:lvl3pPr marL="3204058" indent="0">
+              <a:buNone/>
+              <a:defRPr sz="4205"/>
             </a:lvl3pPr>
-            <a:lvl4pPr marL="7199940" indent="0">
-              <a:buNone/>
-              <a:defRPr sz="5249"/>
+            <a:lvl4pPr marL="4806086" indent="0">
+              <a:buNone/>
+              <a:defRPr sz="3504"/>
             </a:lvl4pPr>
-            <a:lvl5pPr marL="9599920" indent="0">
-              <a:buNone/>
-              <a:defRPr sz="5249"/>
+            <a:lvl5pPr marL="6408115" indent="0">
+              <a:buNone/>
+              <a:defRPr sz="3504"/>
             </a:lvl5pPr>
-            <a:lvl6pPr marL="11999900" indent="0">
-              <a:buNone/>
-              <a:defRPr sz="5249"/>
+            <a:lvl6pPr marL="8010144" indent="0">
+              <a:buNone/>
+              <a:defRPr sz="3504"/>
             </a:lvl6pPr>
-            <a:lvl7pPr marL="14399880" indent="0">
-              <a:buNone/>
-              <a:defRPr sz="5249"/>
+            <a:lvl7pPr marL="9612173" indent="0">
+              <a:buNone/>
+              <a:defRPr sz="3504"/>
             </a:lvl7pPr>
-            <a:lvl8pPr marL="16799860" indent="0">
-              <a:buNone/>
-              <a:defRPr sz="5249"/>
+            <a:lvl8pPr marL="11214202" indent="0">
+              <a:buNone/>
+              <a:defRPr sz="3504"/>
             </a:lvl8pPr>
-            <a:lvl9pPr marL="19199840" indent="0">
-              <a:buNone/>
-              <a:defRPr sz="5249"/>
+            <a:lvl9pPr marL="12816230" indent="0">
+              <a:buNone/>
+              <a:defRPr sz="3504"/>
             </a:lvl9pPr>
           </a:lstStyle>
           <a:p>
@@ -2537,7 +2537,7 @@
           <a:p>
             <a:fld id="{5829EFD3-DAAF-1A4D-98F0-A61E9156FD54}" type="datetimeFigureOut">
               <a:rPr lang="en-US" smtClean="0"/>
-              <a:t>5/22/23</a:t>
+              <a:t>7/18/23</a:t>
             </a:fld>
             <a:endParaRPr lang="en-US"/>
           </a:p>
@@ -2588,7 +2588,7 @@
     </p:spTree>
     <p:extLst>
       <p:ext uri="{BB962C8B-B14F-4D97-AF65-F5344CB8AC3E}">
-        <p14:creationId xmlns:p14="http://schemas.microsoft.com/office/powerpoint/2010/main" val="1902543414"/>
+        <p14:creationId xmlns:p14="http://schemas.microsoft.com/office/powerpoint/2010/main" val="965608284"/>
       </p:ext>
     </p:extLst>
   </p:cSld>
@@ -2627,15 +2627,15 @@
         </p:nvSpPr>
         <p:spPr>
           <a:xfrm>
-            <a:off x="3471561" y="2399982"/>
-            <a:ext cx="16255296" cy="8399939"/>
+            <a:off x="2206959" y="1896004"/>
+            <a:ext cx="10333899" cy="6636015"/>
           </a:xfrm>
         </p:spPr>
         <p:txBody>
           <a:bodyPr anchor="b"/>
           <a:lstStyle>
             <a:lvl1pPr>
-              <a:defRPr sz="16798"/>
+              <a:defRPr sz="11213"/>
             </a:lvl1pPr>
           </a:lstStyle>
           <a:p>
@@ -2659,8 +2659,8 @@
         </p:nvSpPr>
         <p:spPr>
           <a:xfrm>
-            <a:off x="21426543" y="5183304"/>
-            <a:ext cx="25514975" cy="25583147"/>
+            <a:off x="13621391" y="4094849"/>
+            <a:ext cx="16220510" cy="20210878"/>
           </a:xfrm>
         </p:spPr>
         <p:txBody>
@@ -2668,39 +2668,39 @@
           <a:lstStyle>
             <a:lvl1pPr marL="0" indent="0">
               <a:buNone/>
-              <a:defRPr sz="16798"/>
+              <a:defRPr sz="11213"/>
             </a:lvl1pPr>
-            <a:lvl2pPr marL="2399980" indent="0">
-              <a:buNone/>
-              <a:defRPr sz="14698"/>
+            <a:lvl2pPr marL="1602029" indent="0">
+              <a:buNone/>
+              <a:defRPr sz="9811"/>
             </a:lvl2pPr>
-            <a:lvl3pPr marL="4799960" indent="0">
-              <a:buNone/>
-              <a:defRPr sz="12598"/>
+            <a:lvl3pPr marL="3204058" indent="0">
+              <a:buNone/>
+              <a:defRPr sz="8410"/>
             </a:lvl3pPr>
-            <a:lvl4pPr marL="7199940" indent="0">
-              <a:buNone/>
-              <a:defRPr sz="10499"/>
+            <a:lvl4pPr marL="4806086" indent="0">
+              <a:buNone/>
+              <a:defRPr sz="7008"/>
             </a:lvl4pPr>
-            <a:lvl5pPr marL="9599920" indent="0">
-              <a:buNone/>
-              <a:defRPr sz="10499"/>
+            <a:lvl5pPr marL="6408115" indent="0">
+              <a:buNone/>
+              <a:defRPr sz="7008"/>
             </a:lvl5pPr>
-            <a:lvl6pPr marL="11999900" indent="0">
-              <a:buNone/>
-              <a:defRPr sz="10499"/>
+            <a:lvl6pPr marL="8010144" indent="0">
+              <a:buNone/>
+              <a:defRPr sz="7008"/>
             </a:lvl6pPr>
-            <a:lvl7pPr marL="14399880" indent="0">
-              <a:buNone/>
-              <a:defRPr sz="10499"/>
+            <a:lvl7pPr marL="9612173" indent="0">
+              <a:buNone/>
+              <a:defRPr sz="7008"/>
             </a:lvl7pPr>
-            <a:lvl8pPr marL="16799860" indent="0">
-              <a:buNone/>
-              <a:defRPr sz="10499"/>
+            <a:lvl8pPr marL="11214202" indent="0">
+              <a:buNone/>
+              <a:defRPr sz="7008"/>
             </a:lvl8pPr>
-            <a:lvl9pPr marL="19199840" indent="0">
-              <a:buNone/>
-              <a:defRPr sz="10499"/>
+            <a:lvl9pPr marL="12816230" indent="0">
+              <a:buNone/>
+              <a:defRPr sz="7008"/>
             </a:lvl9pPr>
           </a:lstStyle>
           <a:p>
@@ -2724,8 +2724,8 @@
         </p:nvSpPr>
         <p:spPr>
           <a:xfrm>
-            <a:off x="3471561" y="10799922"/>
-            <a:ext cx="16255296" cy="20008190"/>
+            <a:off x="2206959" y="8532019"/>
+            <a:ext cx="10333899" cy="15806620"/>
           </a:xfrm>
         </p:spPr>
         <p:txBody>
@@ -2733,39 +2733,39 @@
           <a:lstStyle>
             <a:lvl1pPr marL="0" indent="0">
               <a:buNone/>
-              <a:defRPr sz="8399"/>
+              <a:defRPr sz="5606"/>
             </a:lvl1pPr>
-            <a:lvl2pPr marL="2399980" indent="0">
-              <a:buNone/>
-              <a:defRPr sz="7349"/>
+            <a:lvl2pPr marL="1602029" indent="0">
+              <a:buNone/>
+              <a:defRPr sz="4906"/>
             </a:lvl2pPr>
-            <a:lvl3pPr marL="4799960" indent="0">
-              <a:buNone/>
-              <a:defRPr sz="6299"/>
+            <a:lvl3pPr marL="3204058" indent="0">
+              <a:buNone/>
+              <a:defRPr sz="4205"/>
             </a:lvl3pPr>
-            <a:lvl4pPr marL="7199940" indent="0">
-              <a:buNone/>
-              <a:defRPr sz="5249"/>
+            <a:lvl4pPr marL="4806086" indent="0">
+              <a:buNone/>
+              <a:defRPr sz="3504"/>
             </a:lvl4pPr>
-            <a:lvl5pPr marL="9599920" indent="0">
-              <a:buNone/>
-              <a:defRPr sz="5249"/>
+            <a:lvl5pPr marL="6408115" indent="0">
+              <a:buNone/>
+              <a:defRPr sz="3504"/>
             </a:lvl5pPr>
-            <a:lvl6pPr marL="11999900" indent="0">
-              <a:buNone/>
-              <a:defRPr sz="5249"/>
+            <a:lvl6pPr marL="8010144" indent="0">
+              <a:buNone/>
+              <a:defRPr sz="3504"/>
             </a:lvl6pPr>
-            <a:lvl7pPr marL="14399880" indent="0">
-              <a:buNone/>
-              <a:defRPr sz="5249"/>
+            <a:lvl7pPr marL="9612173" indent="0">
+              <a:buNone/>
+              <a:defRPr sz="3504"/>
             </a:lvl7pPr>
-            <a:lvl8pPr marL="16799860" indent="0">
-              <a:buNone/>
-              <a:defRPr sz="5249"/>
+            <a:lvl8pPr marL="11214202" indent="0">
+              <a:buNone/>
+              <a:defRPr sz="3504"/>
             </a:lvl8pPr>
-            <a:lvl9pPr marL="19199840" indent="0">
-              <a:buNone/>
-              <a:defRPr sz="5249"/>
+            <a:lvl9pPr marL="12816230" indent="0">
+              <a:buNone/>
+              <a:defRPr sz="3504"/>
             </a:lvl9pPr>
           </a:lstStyle>
           <a:p>
@@ -2794,7 +2794,7 @@
           <a:p>
             <a:fld id="{5829EFD3-DAAF-1A4D-98F0-A61E9156FD54}" type="datetimeFigureOut">
               <a:rPr lang="en-US" smtClean="0"/>
-              <a:t>5/22/23</a:t>
+              <a:t>7/18/23</a:t>
             </a:fld>
             <a:endParaRPr lang="en-US"/>
           </a:p>
@@ -2845,7 +2845,7 @@
     </p:spTree>
     <p:extLst>
       <p:ext uri="{BB962C8B-B14F-4D97-AF65-F5344CB8AC3E}">
-        <p14:creationId xmlns:p14="http://schemas.microsoft.com/office/powerpoint/2010/main" val="1417022442"/>
+        <p14:creationId xmlns:p14="http://schemas.microsoft.com/office/powerpoint/2010/main" val="1248418614"/>
       </p:ext>
     </p:extLst>
   </p:cSld>
@@ -2889,8 +2889,8 @@
         </p:nvSpPr>
         <p:spPr>
           <a:xfrm>
-            <a:off x="3464997" y="1916661"/>
-            <a:ext cx="43469957" cy="6958285"/>
+            <a:off x="2202786" y="1514176"/>
+            <a:ext cx="27634942" cy="5497098"/>
           </a:xfrm>
           <a:prstGeom prst="rect">
             <a:avLst/>
@@ -2922,8 +2922,8 @@
         </p:nvSpPr>
         <p:spPr>
           <a:xfrm>
-            <a:off x="3464997" y="9583264"/>
-            <a:ext cx="43469957" cy="22841503"/>
+            <a:off x="2202786" y="7570850"/>
+            <a:ext cx="27634942" cy="18044959"/>
           </a:xfrm>
           <a:prstGeom prst="rect">
             <a:avLst/>
@@ -2984,8 +2984,8 @@
         </p:nvSpPr>
         <p:spPr>
           <a:xfrm>
-            <a:off x="3464996" y="33366432"/>
-            <a:ext cx="11339989" cy="1916653"/>
+            <a:off x="2202785" y="26359731"/>
+            <a:ext cx="7209115" cy="1514170"/>
           </a:xfrm>
           <a:prstGeom prst="rect">
             <a:avLst/>
@@ -2995,7 +2995,7 @@
           <a:bodyPr vert="horz" lIns="91440" tIns="45720" rIns="91440" bIns="45720" rtlCol="0" anchor="ctr"/>
           <a:lstStyle>
             <a:lvl1pPr algn="l">
-              <a:defRPr sz="6299">
+              <a:defRPr sz="4205">
                 <a:solidFill>
                   <a:schemeClr val="tx1">
                     <a:tint val="75000"/>
@@ -3007,7 +3007,7 @@
           <a:p>
             <a:fld id="{5829EFD3-DAAF-1A4D-98F0-A61E9156FD54}" type="datetimeFigureOut">
               <a:rPr lang="en-US" smtClean="0"/>
-              <a:t>5/22/23</a:t>
+              <a:t>7/18/23</a:t>
             </a:fld>
             <a:endParaRPr lang="en-US"/>
           </a:p>
@@ -3025,8 +3025,8 @@
         </p:nvSpPr>
         <p:spPr>
           <a:xfrm>
-            <a:off x="16694984" y="33366432"/>
-            <a:ext cx="17009983" cy="1916653"/>
+            <a:off x="10613420" y="26359731"/>
+            <a:ext cx="10813673" cy="1514170"/>
           </a:xfrm>
           <a:prstGeom prst="rect">
             <a:avLst/>
@@ -3036,7 +3036,7 @@
           <a:bodyPr vert="horz" lIns="91440" tIns="45720" rIns="91440" bIns="45720" rtlCol="0" anchor="ctr"/>
           <a:lstStyle>
             <a:lvl1pPr algn="ctr">
-              <a:defRPr sz="6299">
+              <a:defRPr sz="4205">
                 <a:solidFill>
                   <a:schemeClr val="tx1">
                     <a:tint val="75000"/>
@@ -3062,8 +3062,8 @@
         </p:nvSpPr>
         <p:spPr>
           <a:xfrm>
-            <a:off x="35594965" y="33366432"/>
-            <a:ext cx="11339989" cy="1916653"/>
+            <a:off x="22628613" y="26359731"/>
+            <a:ext cx="7209115" cy="1514170"/>
           </a:xfrm>
           <a:prstGeom prst="rect">
             <a:avLst/>
@@ -3073,7 +3073,7 @@
           <a:bodyPr vert="horz" lIns="91440" tIns="45720" rIns="91440" bIns="45720" rtlCol="0" anchor="ctr"/>
           <a:lstStyle>
             <a:lvl1pPr algn="r">
-              <a:defRPr sz="6299">
+              <a:defRPr sz="4205">
                 <a:solidFill>
                   <a:schemeClr val="tx1">
                     <a:tint val="75000"/>
@@ -3094,27 +3094,27 @@
     </p:spTree>
     <p:extLst>
       <p:ext uri="{BB962C8B-B14F-4D97-AF65-F5344CB8AC3E}">
-        <p14:creationId xmlns:p14="http://schemas.microsoft.com/office/powerpoint/2010/main" val="2355768624"/>
+        <p14:creationId xmlns:p14="http://schemas.microsoft.com/office/powerpoint/2010/main" val="3694752358"/>
       </p:ext>
     </p:extLst>
   </p:cSld>
   <p:clrMap bg1="lt1" tx1="dk1" bg2="lt2" tx2="dk2" accent1="accent1" accent2="accent2" accent3="accent3" accent4="accent4" accent5="accent5" accent6="accent6" hlink="hlink" folHlink="folHlink"/>
   <p:sldLayoutIdLst>
-    <p:sldLayoutId id="2147483685" r:id="rId1"/>
-    <p:sldLayoutId id="2147483686" r:id="rId2"/>
-    <p:sldLayoutId id="2147483687" r:id="rId3"/>
-    <p:sldLayoutId id="2147483688" r:id="rId4"/>
-    <p:sldLayoutId id="2147483689" r:id="rId5"/>
-    <p:sldLayoutId id="2147483690" r:id="rId6"/>
-    <p:sldLayoutId id="2147483691" r:id="rId7"/>
-    <p:sldLayoutId id="2147483692" r:id="rId8"/>
-    <p:sldLayoutId id="2147483693" r:id="rId9"/>
-    <p:sldLayoutId id="2147483694" r:id="rId10"/>
-    <p:sldLayoutId id="2147483695" r:id="rId11"/>
+    <p:sldLayoutId id="2147483757" r:id="rId1"/>
+    <p:sldLayoutId id="2147483758" r:id="rId2"/>
+    <p:sldLayoutId id="2147483759" r:id="rId3"/>
+    <p:sldLayoutId id="2147483760" r:id="rId4"/>
+    <p:sldLayoutId id="2147483761" r:id="rId5"/>
+    <p:sldLayoutId id="2147483762" r:id="rId6"/>
+    <p:sldLayoutId id="2147483763" r:id="rId7"/>
+    <p:sldLayoutId id="2147483764" r:id="rId8"/>
+    <p:sldLayoutId id="2147483765" r:id="rId9"/>
+    <p:sldLayoutId id="2147483766" r:id="rId10"/>
+    <p:sldLayoutId id="2147483767" r:id="rId11"/>
   </p:sldLayoutIdLst>
   <p:txStyles>
     <p:titleStyle>
-      <a:lvl1pPr algn="l" defTabSz="4799960" rtl="0" eaLnBrk="1" latinLnBrk="0" hangingPunct="1">
+      <a:lvl1pPr algn="l" defTabSz="3204058" rtl="0" eaLnBrk="1" latinLnBrk="0" hangingPunct="1">
         <a:lnSpc>
           <a:spcPct val="90000"/>
         </a:lnSpc>
@@ -3122,7 +3122,7 @@
           <a:spcPct val="0"/>
         </a:spcBef>
         <a:buNone/>
-        <a:defRPr sz="23097" kern="1200">
+        <a:defRPr sz="15418" kern="1200">
           <a:solidFill>
             <a:schemeClr val="tx1"/>
           </a:solidFill>
@@ -3133,16 +3133,16 @@
       </a:lvl1pPr>
     </p:titleStyle>
     <p:bodyStyle>
-      <a:lvl1pPr marL="1199990" indent="-1199990" algn="l" defTabSz="4799960" rtl="0" eaLnBrk="1" latinLnBrk="0" hangingPunct="1">
+      <a:lvl1pPr marL="801014" indent="-801014" algn="l" defTabSz="3204058" rtl="0" eaLnBrk="1" latinLnBrk="0" hangingPunct="1">
         <a:lnSpc>
           <a:spcPct val="90000"/>
         </a:lnSpc>
         <a:spcBef>
-          <a:spcPts val="5249"/>
+          <a:spcPts val="3504"/>
         </a:spcBef>
         <a:buFont typeface="Arial" panose="020B0604020202020204" pitchFamily="34" charset="0"/>
         <a:buChar char="•"/>
-        <a:defRPr sz="14698" kern="1200">
+        <a:defRPr sz="9811" kern="1200">
           <a:solidFill>
             <a:schemeClr val="tx1"/>
           </a:solidFill>
@@ -3151,16 +3151,16 @@
           <a:cs typeface="+mn-cs"/>
         </a:defRPr>
       </a:lvl1pPr>
-      <a:lvl2pPr marL="3599970" indent="-1199990" algn="l" defTabSz="4799960" rtl="0" eaLnBrk="1" latinLnBrk="0" hangingPunct="1">
+      <a:lvl2pPr marL="2403043" indent="-801014" algn="l" defTabSz="3204058" rtl="0" eaLnBrk="1" latinLnBrk="0" hangingPunct="1">
         <a:lnSpc>
           <a:spcPct val="90000"/>
         </a:lnSpc>
         <a:spcBef>
-          <a:spcPts val="2625"/>
+          <a:spcPts val="1752"/>
         </a:spcBef>
         <a:buFont typeface="Arial" panose="020B0604020202020204" pitchFamily="34" charset="0"/>
         <a:buChar char="•"/>
-        <a:defRPr sz="12598" kern="1200">
+        <a:defRPr sz="8410" kern="1200">
           <a:solidFill>
             <a:schemeClr val="tx1"/>
           </a:solidFill>
@@ -3169,16 +3169,16 @@
           <a:cs typeface="+mn-cs"/>
         </a:defRPr>
       </a:lvl2pPr>
-      <a:lvl3pPr marL="5999950" indent="-1199990" algn="l" defTabSz="4799960" rtl="0" eaLnBrk="1" latinLnBrk="0" hangingPunct="1">
+      <a:lvl3pPr marL="4005072" indent="-801014" algn="l" defTabSz="3204058" rtl="0" eaLnBrk="1" latinLnBrk="0" hangingPunct="1">
         <a:lnSpc>
           <a:spcPct val="90000"/>
         </a:lnSpc>
         <a:spcBef>
-          <a:spcPts val="2625"/>
+          <a:spcPts val="1752"/>
         </a:spcBef>
         <a:buFont typeface="Arial" panose="020B0604020202020204" pitchFamily="34" charset="0"/>
         <a:buChar char="•"/>
-        <a:defRPr sz="10499" kern="1200">
+        <a:defRPr sz="7008" kern="1200">
           <a:solidFill>
             <a:schemeClr val="tx1"/>
           </a:solidFill>
@@ -3187,16 +3187,16 @@
           <a:cs typeface="+mn-cs"/>
         </a:defRPr>
       </a:lvl3pPr>
-      <a:lvl4pPr marL="8399930" indent="-1199990" algn="l" defTabSz="4799960" rtl="0" eaLnBrk="1" latinLnBrk="0" hangingPunct="1">
+      <a:lvl4pPr marL="5607101" indent="-801014" algn="l" defTabSz="3204058" rtl="0" eaLnBrk="1" latinLnBrk="0" hangingPunct="1">
         <a:lnSpc>
           <a:spcPct val="90000"/>
         </a:lnSpc>
         <a:spcBef>
-          <a:spcPts val="2625"/>
+          <a:spcPts val="1752"/>
         </a:spcBef>
         <a:buFont typeface="Arial" panose="020B0604020202020204" pitchFamily="34" charset="0"/>
         <a:buChar char="•"/>
-        <a:defRPr sz="9449" kern="1200">
+        <a:defRPr sz="6307" kern="1200">
           <a:solidFill>
             <a:schemeClr val="tx1"/>
           </a:solidFill>
@@ -3205,16 +3205,16 @@
           <a:cs typeface="+mn-cs"/>
         </a:defRPr>
       </a:lvl4pPr>
-      <a:lvl5pPr marL="10799910" indent="-1199990" algn="l" defTabSz="4799960" rtl="0" eaLnBrk="1" latinLnBrk="0" hangingPunct="1">
+      <a:lvl5pPr marL="7209130" indent="-801014" algn="l" defTabSz="3204058" rtl="0" eaLnBrk="1" latinLnBrk="0" hangingPunct="1">
         <a:lnSpc>
           <a:spcPct val="90000"/>
         </a:lnSpc>
         <a:spcBef>
-          <a:spcPts val="2625"/>
+          <a:spcPts val="1752"/>
         </a:spcBef>
         <a:buFont typeface="Arial" panose="020B0604020202020204" pitchFamily="34" charset="0"/>
         <a:buChar char="•"/>
-        <a:defRPr sz="9449" kern="1200">
+        <a:defRPr sz="6307" kern="1200">
           <a:solidFill>
             <a:schemeClr val="tx1"/>
           </a:solidFill>
@@ -3223,16 +3223,16 @@
           <a:cs typeface="+mn-cs"/>
         </a:defRPr>
       </a:lvl5pPr>
-      <a:lvl6pPr marL="13199890" indent="-1199990" algn="l" defTabSz="4799960" rtl="0" eaLnBrk="1" latinLnBrk="0" hangingPunct="1">
+      <a:lvl6pPr marL="8811158" indent="-801014" algn="l" defTabSz="3204058" rtl="0" eaLnBrk="1" latinLnBrk="0" hangingPunct="1">
         <a:lnSpc>
           <a:spcPct val="90000"/>
         </a:lnSpc>
         <a:spcBef>
-          <a:spcPts val="2625"/>
+          <a:spcPts val="1752"/>
         </a:spcBef>
         <a:buFont typeface="Arial" panose="020B0604020202020204" pitchFamily="34" charset="0"/>
         <a:buChar char="•"/>
-        <a:defRPr sz="9449" kern="1200">
+        <a:defRPr sz="6307" kern="1200">
           <a:solidFill>
             <a:schemeClr val="tx1"/>
           </a:solidFill>
@@ -3241,16 +3241,16 @@
           <a:cs typeface="+mn-cs"/>
         </a:defRPr>
       </a:lvl6pPr>
-      <a:lvl7pPr marL="15599870" indent="-1199990" algn="l" defTabSz="4799960" rtl="0" eaLnBrk="1" latinLnBrk="0" hangingPunct="1">
+      <a:lvl7pPr marL="10413187" indent="-801014" algn="l" defTabSz="3204058" rtl="0" eaLnBrk="1" latinLnBrk="0" hangingPunct="1">
         <a:lnSpc>
           <a:spcPct val="90000"/>
         </a:lnSpc>
         <a:spcBef>
-          <a:spcPts val="2625"/>
+          <a:spcPts val="1752"/>
         </a:spcBef>
         <a:buFont typeface="Arial" panose="020B0604020202020204" pitchFamily="34" charset="0"/>
         <a:buChar char="•"/>
-        <a:defRPr sz="9449" kern="1200">
+        <a:defRPr sz="6307" kern="1200">
           <a:solidFill>
             <a:schemeClr val="tx1"/>
           </a:solidFill>
@@ -3259,16 +3259,16 @@
           <a:cs typeface="+mn-cs"/>
         </a:defRPr>
       </a:lvl7pPr>
-      <a:lvl8pPr marL="17999850" indent="-1199990" algn="l" defTabSz="4799960" rtl="0" eaLnBrk="1" latinLnBrk="0" hangingPunct="1">
+      <a:lvl8pPr marL="12015216" indent="-801014" algn="l" defTabSz="3204058" rtl="0" eaLnBrk="1" latinLnBrk="0" hangingPunct="1">
         <a:lnSpc>
           <a:spcPct val="90000"/>
         </a:lnSpc>
         <a:spcBef>
-          <a:spcPts val="2625"/>
+          <a:spcPts val="1752"/>
         </a:spcBef>
         <a:buFont typeface="Arial" panose="020B0604020202020204" pitchFamily="34" charset="0"/>
         <a:buChar char="•"/>
-        <a:defRPr sz="9449" kern="1200">
+        <a:defRPr sz="6307" kern="1200">
           <a:solidFill>
             <a:schemeClr val="tx1"/>
           </a:solidFill>
@@ -3277,16 +3277,16 @@
           <a:cs typeface="+mn-cs"/>
         </a:defRPr>
       </a:lvl8pPr>
-      <a:lvl9pPr marL="20399830" indent="-1199990" algn="l" defTabSz="4799960" rtl="0" eaLnBrk="1" latinLnBrk="0" hangingPunct="1">
+      <a:lvl9pPr marL="13617245" indent="-801014" algn="l" defTabSz="3204058" rtl="0" eaLnBrk="1" latinLnBrk="0" hangingPunct="1">
         <a:lnSpc>
           <a:spcPct val="90000"/>
         </a:lnSpc>
         <a:spcBef>
-          <a:spcPts val="2625"/>
+          <a:spcPts val="1752"/>
         </a:spcBef>
         <a:buFont typeface="Arial" panose="020B0604020202020204" pitchFamily="34" charset="0"/>
         <a:buChar char="•"/>
-        <a:defRPr sz="9449" kern="1200">
+        <a:defRPr sz="6307" kern="1200">
           <a:solidFill>
             <a:schemeClr val="tx1"/>
           </a:solidFill>
@@ -3300,8 +3300,8 @@
       <a:defPPr>
         <a:defRPr lang="en-US"/>
       </a:defPPr>
-      <a:lvl1pPr marL="0" algn="l" defTabSz="4799960" rtl="0" eaLnBrk="1" latinLnBrk="0" hangingPunct="1">
-        <a:defRPr sz="9449" kern="1200">
+      <a:lvl1pPr marL="0" algn="l" defTabSz="3204058" rtl="0" eaLnBrk="1" latinLnBrk="0" hangingPunct="1">
+        <a:defRPr sz="6307" kern="1200">
           <a:solidFill>
             <a:schemeClr val="tx1"/>
           </a:solidFill>
@@ -3310,8 +3310,8 @@
           <a:cs typeface="+mn-cs"/>
         </a:defRPr>
       </a:lvl1pPr>
-      <a:lvl2pPr marL="2399980" algn="l" defTabSz="4799960" rtl="0" eaLnBrk="1" latinLnBrk="0" hangingPunct="1">
-        <a:defRPr sz="9449" kern="1200">
+      <a:lvl2pPr marL="1602029" algn="l" defTabSz="3204058" rtl="0" eaLnBrk="1" latinLnBrk="0" hangingPunct="1">
+        <a:defRPr sz="6307" kern="1200">
           <a:solidFill>
             <a:schemeClr val="tx1"/>
           </a:solidFill>
@@ -3320,8 +3320,8 @@
           <a:cs typeface="+mn-cs"/>
         </a:defRPr>
       </a:lvl2pPr>
-      <a:lvl3pPr marL="4799960" algn="l" defTabSz="4799960" rtl="0" eaLnBrk="1" latinLnBrk="0" hangingPunct="1">
-        <a:defRPr sz="9449" kern="1200">
+      <a:lvl3pPr marL="3204058" algn="l" defTabSz="3204058" rtl="0" eaLnBrk="1" latinLnBrk="0" hangingPunct="1">
+        <a:defRPr sz="6307" kern="1200">
           <a:solidFill>
             <a:schemeClr val="tx1"/>
           </a:solidFill>
@@ -3330,8 +3330,8 @@
           <a:cs typeface="+mn-cs"/>
         </a:defRPr>
       </a:lvl3pPr>
-      <a:lvl4pPr marL="7199940" algn="l" defTabSz="4799960" rtl="0" eaLnBrk="1" latinLnBrk="0" hangingPunct="1">
-        <a:defRPr sz="9449" kern="1200">
+      <a:lvl4pPr marL="4806086" algn="l" defTabSz="3204058" rtl="0" eaLnBrk="1" latinLnBrk="0" hangingPunct="1">
+        <a:defRPr sz="6307" kern="1200">
           <a:solidFill>
             <a:schemeClr val="tx1"/>
           </a:solidFill>
@@ -3340,8 +3340,8 @@
           <a:cs typeface="+mn-cs"/>
         </a:defRPr>
       </a:lvl4pPr>
-      <a:lvl5pPr marL="9599920" algn="l" defTabSz="4799960" rtl="0" eaLnBrk="1" latinLnBrk="0" hangingPunct="1">
-        <a:defRPr sz="9449" kern="1200">
+      <a:lvl5pPr marL="6408115" algn="l" defTabSz="3204058" rtl="0" eaLnBrk="1" latinLnBrk="0" hangingPunct="1">
+        <a:defRPr sz="6307" kern="1200">
           <a:solidFill>
             <a:schemeClr val="tx1"/>
           </a:solidFill>
@@ -3350,8 +3350,8 @@
           <a:cs typeface="+mn-cs"/>
         </a:defRPr>
       </a:lvl5pPr>
-      <a:lvl6pPr marL="11999900" algn="l" defTabSz="4799960" rtl="0" eaLnBrk="1" latinLnBrk="0" hangingPunct="1">
-        <a:defRPr sz="9449" kern="1200">
+      <a:lvl6pPr marL="8010144" algn="l" defTabSz="3204058" rtl="0" eaLnBrk="1" latinLnBrk="0" hangingPunct="1">
+        <a:defRPr sz="6307" kern="1200">
           <a:solidFill>
             <a:schemeClr val="tx1"/>
           </a:solidFill>
@@ -3360,8 +3360,8 @@
           <a:cs typeface="+mn-cs"/>
         </a:defRPr>
       </a:lvl6pPr>
-      <a:lvl7pPr marL="14399880" algn="l" defTabSz="4799960" rtl="0" eaLnBrk="1" latinLnBrk="0" hangingPunct="1">
-        <a:defRPr sz="9449" kern="1200">
+      <a:lvl7pPr marL="9612173" algn="l" defTabSz="3204058" rtl="0" eaLnBrk="1" latinLnBrk="0" hangingPunct="1">
+        <a:defRPr sz="6307" kern="1200">
           <a:solidFill>
             <a:schemeClr val="tx1"/>
           </a:solidFill>
@@ -3370,8 +3370,8 @@
           <a:cs typeface="+mn-cs"/>
         </a:defRPr>
       </a:lvl7pPr>
-      <a:lvl8pPr marL="16799860" algn="l" defTabSz="4799960" rtl="0" eaLnBrk="1" latinLnBrk="0" hangingPunct="1">
-        <a:defRPr sz="9449" kern="1200">
+      <a:lvl8pPr marL="11214202" algn="l" defTabSz="3204058" rtl="0" eaLnBrk="1" latinLnBrk="0" hangingPunct="1">
+        <a:defRPr sz="6307" kern="1200">
           <a:solidFill>
             <a:schemeClr val="tx1"/>
           </a:solidFill>
@@ -3380,8 +3380,8 @@
           <a:cs typeface="+mn-cs"/>
         </a:defRPr>
       </a:lvl8pPr>
-      <a:lvl9pPr marL="19199840" algn="l" defTabSz="4799960" rtl="0" eaLnBrk="1" latinLnBrk="0" hangingPunct="1">
-        <a:defRPr sz="9449" kern="1200">
+      <a:lvl9pPr marL="12816230" algn="l" defTabSz="3204058" rtl="0" eaLnBrk="1" latinLnBrk="0" hangingPunct="1">
+        <a:defRPr sz="6307" kern="1200">
           <a:solidFill>
             <a:schemeClr val="tx1"/>
           </a:solidFill>
@@ -3433,7 +3433,7 @@
         </p:blipFill>
         <p:spPr>
           <a:xfrm>
-            <a:off x="2182087" y="1141432"/>
+            <a:off x="1684307" y="1104886"/>
             <a:ext cx="30352537" cy="12253953"/>
           </a:xfrm>
           <a:prstGeom prst="rect">
@@ -3463,7 +3463,7 @@
         </p:blipFill>
         <p:spPr>
           <a:xfrm>
-            <a:off x="2182088" y="13541481"/>
+            <a:off x="1684308" y="13504936"/>
             <a:ext cx="30352537" cy="15176269"/>
           </a:xfrm>
           <a:prstGeom prst="rect">
@@ -3485,7 +3485,7 @@
         </p:nvSpPr>
         <p:spPr>
           <a:xfrm>
-            <a:off x="562238" y="14484095"/>
+            <a:off x="64455" y="14447542"/>
             <a:ext cx="1010213" cy="1938992"/>
           </a:xfrm>
           <a:prstGeom prst="rect">
@@ -3520,7 +3520,7 @@
         </p:nvSpPr>
         <p:spPr>
           <a:xfrm>
-            <a:off x="562238" y="-391160"/>
+            <a:off x="64455" y="-427713"/>
             <a:ext cx="944489" cy="1938992"/>
           </a:xfrm>
           <a:prstGeom prst="rect">
@@ -3555,8 +3555,8 @@
         </p:nvSpPr>
         <p:spPr>
           <a:xfrm rot="16200000">
-            <a:off x="-1630177" y="6014439"/>
-            <a:ext cx="6221575" cy="1323439"/>
+            <a:off x="-1038722" y="5932173"/>
+            <a:ext cx="4043094" cy="1323439"/>
           </a:xfrm>
           <a:prstGeom prst="rect">
             <a:avLst/>
@@ -3570,12 +3570,16 @@
           <a:lstStyle/>
           <a:p>
             <a:r>
-              <a:rPr lang="en-US" sz="8000" dirty="0">
+              <a:rPr lang="en-US" sz="8000" dirty="0" err="1">
                 <a:latin typeface="Microsoft JhengHei UI" panose="020B0604030504040204" pitchFamily="34" charset="-120"/>
                 <a:ea typeface="Microsoft JhengHei UI" panose="020B0604030504040204" pitchFamily="34" charset="-120"/>
               </a:rPr>
-              <a:t>SpliceAI-10k</a:t>
-            </a:r>
+              <a:t>SpliceAI</a:t>
+            </a:r>
+            <a:endParaRPr lang="en-US" sz="8000" dirty="0">
+              <a:latin typeface="Microsoft JhengHei UI" panose="020B0604030504040204" pitchFamily="34" charset="-120"/>
+              <a:ea typeface="Microsoft JhengHei UI" panose="020B0604030504040204" pitchFamily="34" charset="-120"/>
+            </a:endParaRPr>
           </a:p>
         </p:txBody>
       </p:sp>
@@ -3593,7 +3597,7 @@
         </p:nvSpPr>
         <p:spPr>
           <a:xfrm rot="16200000">
-            <a:off x="-2460628" y="21478174"/>
+            <a:off x="-2958414" y="21441627"/>
             <a:ext cx="7882479" cy="1323439"/>
           </a:xfrm>
           <a:prstGeom prst="rect">
@@ -3617,6 +3621,65 @@
           </a:p>
         </p:txBody>
       </p:sp>
+      <p:pic>
+        <p:nvPicPr>
+          <p:cNvPr id="3" name="Picture 2" descr="A graph of a number of data&#10;&#10;Description automatically generated">
+            <a:extLst>
+              <a:ext uri="{FF2B5EF4-FFF2-40B4-BE49-F238E27FC236}">
+                <a16:creationId xmlns:a16="http://schemas.microsoft.com/office/drawing/2014/main" id="{10F70114-2295-3222-8CFB-3CDFD0F0E617}"/>
+              </a:ext>
+            </a:extLst>
+          </p:cNvPr>
+          <p:cNvPicPr>
+            <a:picLocks noChangeAspect="1"/>
+          </p:cNvPicPr>
+          <p:nvPr/>
+        </p:nvPicPr>
+        <p:blipFill rotWithShape="1">
+          <a:blip r:embed="rId5"/>
+          <a:srcRect t="19256"/>
+          <a:stretch/>
+        </p:blipFill>
+        <p:spPr>
+          <a:xfrm>
+            <a:off x="1684301" y="1104878"/>
+            <a:ext cx="30352536" cy="12253954"/>
+          </a:xfrm>
+          <a:prstGeom prst="rect">
+            <a:avLst/>
+          </a:prstGeom>
+        </p:spPr>
+      </p:pic>
+      <p:pic>
+        <p:nvPicPr>
+          <p:cNvPr id="8" name="Picture 7" descr="A graph of a number of data&#10;&#10;Description automatically generated">
+            <a:extLst>
+              <a:ext uri="{FF2B5EF4-FFF2-40B4-BE49-F238E27FC236}">
+                <a16:creationId xmlns:a16="http://schemas.microsoft.com/office/drawing/2014/main" id="{2BBA77AF-BD17-5C55-596E-72887A8B2218}"/>
+              </a:ext>
+            </a:extLst>
+          </p:cNvPr>
+          <p:cNvPicPr>
+            <a:picLocks noChangeAspect="1"/>
+          </p:cNvPicPr>
+          <p:nvPr/>
+        </p:nvPicPr>
+        <p:blipFill>
+          <a:blip r:embed="rId6"/>
+          <a:stretch>
+            <a:fillRect/>
+          </a:stretch>
+        </p:blipFill>
+        <p:spPr>
+          <a:xfrm>
+            <a:off x="1644550" y="13504936"/>
+            <a:ext cx="30352537" cy="15176269"/>
+          </a:xfrm>
+          <a:prstGeom prst="rect">
+            <a:avLst/>
+          </a:prstGeom>
+        </p:spPr>
+      </p:pic>
     </p:spTree>
     <p:extLst>
       <p:ext uri="{BB962C8B-B14F-4D97-AF65-F5344CB8AC3E}">
